--- a/ppt/Advanced Test.pptx
+++ b/ppt/Advanced Test.pptx
@@ -1751,6 +1751,171 @@
     </pc:docChg>
   </pc:docChgLst>
   <pc:docChgLst>
+    <pc:chgData name="JESSE WEI" userId="ZsbFzB+TSibvNS2+ULs3UTiP4Kv803rkvLybqEWVs+0=" providerId="None" clId="Web-{FA96F87A-ED3C-4FBF-92FF-9A7E5366466B}"/>
+    <pc:docChg chg="addSld modSld">
+      <pc:chgData name="JESSE WEI" userId="ZsbFzB+TSibvNS2+ULs3UTiP4Kv803rkvLybqEWVs+0=" providerId="None" clId="Web-{FA96F87A-ED3C-4FBF-92FF-9A7E5366466B}" dt="2023-01-25T00:16:42.376" v="68" actId="1076"/>
+      <pc:docMkLst>
+        <pc:docMk/>
+      </pc:docMkLst>
+      <pc:sldChg chg="addSp delSp modSp new mod modClrScheme chgLayout">
+        <pc:chgData name="JESSE WEI" userId="ZsbFzB+TSibvNS2+ULs3UTiP4Kv803rkvLybqEWVs+0=" providerId="None" clId="Web-{FA96F87A-ED3C-4FBF-92FF-9A7E5366466B}" dt="2023-01-24T23:59:20.161" v="21" actId="1076"/>
+        <pc:sldMkLst>
+          <pc:docMk/>
+          <pc:sldMk cId="1965072318" sldId="2142534588"/>
+        </pc:sldMkLst>
+        <pc:spChg chg="mod ord">
+          <ac:chgData name="JESSE WEI" userId="ZsbFzB+TSibvNS2+ULs3UTiP4Kv803rkvLybqEWVs+0=" providerId="None" clId="Web-{FA96F87A-ED3C-4FBF-92FF-9A7E5366466B}" dt="2023-01-24T23:58:33.989" v="9" actId="20577"/>
+          <ac:spMkLst>
+            <pc:docMk/>
+            <pc:sldMk cId="1965072318" sldId="2142534588"/>
+            <ac:spMk id="2" creationId="{91B8AE36-51BA-30D4-55BF-DE969CF43B71}"/>
+          </ac:spMkLst>
+        </pc:spChg>
+        <pc:spChg chg="mod ord">
+          <ac:chgData name="JESSE WEI" userId="ZsbFzB+TSibvNS2+ULs3UTiP4Kv803rkvLybqEWVs+0=" providerId="None" clId="Web-{FA96F87A-ED3C-4FBF-92FF-9A7E5366466B}" dt="2023-01-24T23:59:01.348" v="14" actId="20577"/>
+          <ac:spMkLst>
+            <pc:docMk/>
+            <pc:sldMk cId="1965072318" sldId="2142534588"/>
+            <ac:spMk id="3" creationId="{A5547CD0-658A-74F7-9E8B-DA79904FC489}"/>
+          </ac:spMkLst>
+        </pc:spChg>
+        <pc:spChg chg="add del mod ord">
+          <ac:chgData name="JESSE WEI" userId="ZsbFzB+TSibvNS2+ULs3UTiP4Kv803rkvLybqEWVs+0=" providerId="None" clId="Web-{FA96F87A-ED3C-4FBF-92FF-9A7E5366466B}" dt="2023-01-24T23:58:02.037" v="2"/>
+          <ac:spMkLst>
+            <pc:docMk/>
+            <pc:sldMk cId="1965072318" sldId="2142534588"/>
+            <ac:spMk id="4" creationId="{99B964B2-8558-770D-A4DD-8571D01E2467}"/>
+          </ac:spMkLst>
+        </pc:spChg>
+        <pc:spChg chg="add del mod">
+          <ac:chgData name="JESSE WEI" userId="ZsbFzB+TSibvNS2+ULs3UTiP4Kv803rkvLybqEWVs+0=" providerId="None" clId="Web-{FA96F87A-ED3C-4FBF-92FF-9A7E5366466B}" dt="2023-01-24T23:58:17.895" v="6"/>
+          <ac:spMkLst>
+            <pc:docMk/>
+            <pc:sldMk cId="1965072318" sldId="2142534588"/>
+            <ac:spMk id="6" creationId="{4287E5DA-8530-0E43-611A-93C73C3C6B97}"/>
+          </ac:spMkLst>
+        </pc:spChg>
+        <pc:spChg chg="add mod">
+          <ac:chgData name="JESSE WEI" userId="ZsbFzB+TSibvNS2+ULs3UTiP4Kv803rkvLybqEWVs+0=" providerId="None" clId="Web-{FA96F87A-ED3C-4FBF-92FF-9A7E5366466B}" dt="2023-01-24T23:59:20.161" v="21" actId="1076"/>
+          <ac:spMkLst>
+            <pc:docMk/>
+            <pc:sldMk cId="1965072318" sldId="2142534588"/>
+            <ac:spMk id="7" creationId="{1F50C897-770F-04B5-99BC-A58157980FA0}"/>
+          </ac:spMkLst>
+        </pc:spChg>
+        <pc:picChg chg="add mod ord">
+          <ac:chgData name="JESSE WEI" userId="ZsbFzB+TSibvNS2+ULs3UTiP4Kv803rkvLybqEWVs+0=" providerId="None" clId="Web-{FA96F87A-ED3C-4FBF-92FF-9A7E5366466B}" dt="2023-01-24T23:58:02.037" v="2"/>
+          <ac:picMkLst>
+            <pc:docMk/>
+            <pc:sldMk cId="1965072318" sldId="2142534588"/>
+            <ac:picMk id="5" creationId="{6801FDED-ADFA-86E1-F037-B9C9B525B727}"/>
+          </ac:picMkLst>
+        </pc:picChg>
+      </pc:sldChg>
+      <pc:sldChg chg="addSp delSp modSp new mod modClrScheme chgLayout">
+        <pc:chgData name="JESSE WEI" userId="ZsbFzB+TSibvNS2+ULs3UTiP4Kv803rkvLybqEWVs+0=" providerId="None" clId="Web-{FA96F87A-ED3C-4FBF-92FF-9A7E5366466B}" dt="2023-01-25T00:16:42.376" v="68" actId="1076"/>
+        <pc:sldMkLst>
+          <pc:docMk/>
+          <pc:sldMk cId="2652186339" sldId="2142534589"/>
+        </pc:sldMkLst>
+        <pc:spChg chg="mod ord">
+          <ac:chgData name="JESSE WEI" userId="ZsbFzB+TSibvNS2+ULs3UTiP4Kv803rkvLybqEWVs+0=" providerId="None" clId="Web-{FA96F87A-ED3C-4FBF-92FF-9A7E5366466B}" dt="2023-01-25T00:14:56.781" v="61" actId="20577"/>
+          <ac:spMkLst>
+            <pc:docMk/>
+            <pc:sldMk cId="2652186339" sldId="2142534589"/>
+            <ac:spMk id="2" creationId="{27295F34-800D-9D2E-721C-7648A8B806A1}"/>
+          </ac:spMkLst>
+        </pc:spChg>
+        <pc:spChg chg="mod ord">
+          <ac:chgData name="JESSE WEI" userId="ZsbFzB+TSibvNS2+ULs3UTiP4Kv803rkvLybqEWVs+0=" providerId="None" clId="Web-{FA96F87A-ED3C-4FBF-92FF-9A7E5366466B}" dt="2023-01-25T00:11:36.966" v="59" actId="20577"/>
+          <ac:spMkLst>
+            <pc:docMk/>
+            <pc:sldMk cId="2652186339" sldId="2142534589"/>
+            <ac:spMk id="3" creationId="{FC71F458-7436-1F12-2B92-B5165E096818}"/>
+          </ac:spMkLst>
+        </pc:spChg>
+        <pc:spChg chg="del">
+          <ac:chgData name="JESSE WEI" userId="ZsbFzB+TSibvNS2+ULs3UTiP4Kv803rkvLybqEWVs+0=" providerId="None" clId="Web-{FA96F87A-ED3C-4FBF-92FF-9A7E5366466B}" dt="2023-01-25T00:02:06.100" v="25"/>
+          <ac:spMkLst>
+            <pc:docMk/>
+            <pc:sldMk cId="2652186339" sldId="2142534589"/>
+            <ac:spMk id="4" creationId="{97B1D27C-996E-B44B-2746-C24BF26CCCA7}"/>
+          </ac:spMkLst>
+        </pc:spChg>
+        <pc:spChg chg="add mod ord">
+          <ac:chgData name="JESSE WEI" userId="ZsbFzB+TSibvNS2+ULs3UTiP4Kv803rkvLybqEWVs+0=" providerId="None" clId="Web-{FA96F87A-ED3C-4FBF-92FF-9A7E5366466B}" dt="2023-01-25T00:02:52.585" v="29"/>
+          <ac:spMkLst>
+            <pc:docMk/>
+            <pc:sldMk cId="2652186339" sldId="2142534589"/>
+            <ac:spMk id="6" creationId="{EE0F4FC9-6FDF-44BA-5D96-FA38E37D5F88}"/>
+          </ac:spMkLst>
+        </pc:spChg>
+        <pc:spChg chg="add mod ord">
+          <ac:chgData name="JESSE WEI" userId="ZsbFzB+TSibvNS2+ULs3UTiP4Kv803rkvLybqEWVs+0=" providerId="None" clId="Web-{FA96F87A-ED3C-4FBF-92FF-9A7E5366466B}" dt="2023-01-25T00:02:55.382" v="30" actId="20577"/>
+          <ac:spMkLst>
+            <pc:docMk/>
+            <pc:sldMk cId="2652186339" sldId="2142534589"/>
+            <ac:spMk id="7" creationId="{7A33053E-8BEE-49F1-4F50-F52908BF6D61}"/>
+          </ac:spMkLst>
+        </pc:spChg>
+        <pc:spChg chg="add mod">
+          <ac:chgData name="JESSE WEI" userId="ZsbFzB+TSibvNS2+ULs3UTiP4Kv803rkvLybqEWVs+0=" providerId="None" clId="Web-{FA96F87A-ED3C-4FBF-92FF-9A7E5366466B}" dt="2023-01-25T00:16:42.376" v="68" actId="1076"/>
+          <ac:spMkLst>
+            <pc:docMk/>
+            <pc:sldMk cId="2652186339" sldId="2142534589"/>
+            <ac:spMk id="8" creationId="{0F4F5EFE-48FD-8DA0-F0B0-C3B68F8A8FF1}"/>
+          </ac:spMkLst>
+        </pc:spChg>
+        <pc:picChg chg="add mod ord">
+          <ac:chgData name="JESSE WEI" userId="ZsbFzB+TSibvNS2+ULs3UTiP4Kv803rkvLybqEWVs+0=" providerId="None" clId="Web-{FA96F87A-ED3C-4FBF-92FF-9A7E5366466B}" dt="2023-01-25T00:02:52.585" v="29"/>
+          <ac:picMkLst>
+            <pc:docMk/>
+            <pc:sldMk cId="2652186339" sldId="2142534589"/>
+            <ac:picMk id="5" creationId="{BDD653BA-A016-DC95-5854-0ECA891AEA7B}"/>
+          </ac:picMkLst>
+        </pc:picChg>
+      </pc:sldChg>
+      <pc:sldChg chg="addSp delSp modSp add replId">
+        <pc:chgData name="JESSE WEI" userId="ZsbFzB+TSibvNS2+ULs3UTiP4Kv803rkvLybqEWVs+0=" providerId="None" clId="Web-{FA96F87A-ED3C-4FBF-92FF-9A7E5366466B}" dt="2023-01-25T00:15:12.031" v="63" actId="20577"/>
+        <pc:sldMkLst>
+          <pc:docMk/>
+          <pc:sldMk cId="2984574829" sldId="2142534590"/>
+        </pc:sldMkLst>
+        <pc:spChg chg="mod">
+          <ac:chgData name="JESSE WEI" userId="ZsbFzB+TSibvNS2+ULs3UTiP4Kv803rkvLybqEWVs+0=" providerId="None" clId="Web-{FA96F87A-ED3C-4FBF-92FF-9A7E5366466B}" dt="2023-01-25T00:15:12.031" v="63" actId="20577"/>
+          <ac:spMkLst>
+            <pc:docMk/>
+            <pc:sldMk cId="2984574829" sldId="2142534590"/>
+            <ac:spMk id="2" creationId="{27295F34-800D-9D2E-721C-7648A8B806A1}"/>
+          </ac:spMkLst>
+        </pc:spChg>
+        <pc:spChg chg="del">
+          <ac:chgData name="JESSE WEI" userId="ZsbFzB+TSibvNS2+ULs3UTiP4Kv803rkvLybqEWVs+0=" providerId="None" clId="Web-{FA96F87A-ED3C-4FBF-92FF-9A7E5366466B}" dt="2023-01-25T00:14:48.796" v="60"/>
+          <ac:spMkLst>
+            <pc:docMk/>
+            <pc:sldMk cId="2984574829" sldId="2142534590"/>
+            <ac:spMk id="4" creationId="{97B1D27C-996E-B44B-2746-C24BF26CCCA7}"/>
+          </ac:spMkLst>
+        </pc:spChg>
+        <pc:picChg chg="add mod ord">
+          <ac:chgData name="JESSE WEI" userId="ZsbFzB+TSibvNS2+ULs3UTiP4Kv803rkvLybqEWVs+0=" providerId="None" clId="Web-{FA96F87A-ED3C-4FBF-92FF-9A7E5366466B}" dt="2023-01-25T00:14:48.796" v="60"/>
+          <ac:picMkLst>
+            <pc:docMk/>
+            <pc:sldMk cId="2984574829" sldId="2142534590"/>
+            <ac:picMk id="5" creationId="{82530E96-BC23-2EF8-C9AB-645D152B0430}"/>
+          </ac:picMkLst>
+        </pc:picChg>
+      </pc:sldChg>
+      <pc:sldChg chg="add replId">
+        <pc:chgData name="JESSE WEI" userId="ZsbFzB+TSibvNS2+ULs3UTiP4Kv803rkvLybqEWVs+0=" providerId="None" clId="Web-{FA96F87A-ED3C-4FBF-92FF-9A7E5366466B}" dt="2023-01-25T00:01:56.897" v="24"/>
+        <pc:sldMkLst>
+          <pc:docMk/>
+          <pc:sldMk cId="3886592454" sldId="2142534591"/>
+        </pc:sldMkLst>
+      </pc:sldChg>
+    </pc:docChg>
+  </pc:docChgLst>
+  <pc:docChgLst>
     <pc:chgData name="JESSE WEI" userId="ZsbFzB+TSibvNS2+ULs3UTiP4Kv803rkvLybqEWVs+0=" providerId="None" clId="Web-{0A03732A-0A8B-444C-B062-F4AAFB28457D}"/>
     <pc:docChg chg="modSld">
       <pc:chgData name="JESSE WEI" userId="ZsbFzB+TSibvNS2+ULs3UTiP4Kv803rkvLybqEWVs+0=" providerId="None" clId="Web-{0A03732A-0A8B-444C-B062-F4AAFB28457D}" dt="2023-01-29T08:26:38.016" v="6"/>
@@ -1771,171 +1936,6 @@
             <ac:spMk id="4" creationId="{1B5C34EC-1FBC-C3A9-43AC-6EC4215A097F}"/>
           </ac:spMkLst>
         </pc:spChg>
-      </pc:sldChg>
-    </pc:docChg>
-  </pc:docChgLst>
-  <pc:docChgLst>
-    <pc:chgData name="JESSE WEI" userId="ZsbFzB+TSibvNS2+ULs3UTiP4Kv803rkvLybqEWVs+0=" providerId="None" clId="Web-{FA96F87A-ED3C-4FBF-92FF-9A7E5366466B}"/>
-    <pc:docChg chg="addSld modSld">
-      <pc:chgData name="JESSE WEI" userId="ZsbFzB+TSibvNS2+ULs3UTiP4Kv803rkvLybqEWVs+0=" providerId="None" clId="Web-{FA96F87A-ED3C-4FBF-92FF-9A7E5366466B}" dt="2023-01-25T00:16:42.376" v="68" actId="1076"/>
-      <pc:docMkLst>
-        <pc:docMk/>
-      </pc:docMkLst>
-      <pc:sldChg chg="addSp delSp modSp new mod modClrScheme chgLayout">
-        <pc:chgData name="JESSE WEI" userId="ZsbFzB+TSibvNS2+ULs3UTiP4Kv803rkvLybqEWVs+0=" providerId="None" clId="Web-{FA96F87A-ED3C-4FBF-92FF-9A7E5366466B}" dt="2023-01-24T23:59:20.161" v="21" actId="1076"/>
-        <pc:sldMkLst>
-          <pc:docMk/>
-          <pc:sldMk cId="1965072318" sldId="2142534588"/>
-        </pc:sldMkLst>
-        <pc:spChg chg="mod ord">
-          <ac:chgData name="JESSE WEI" userId="ZsbFzB+TSibvNS2+ULs3UTiP4Kv803rkvLybqEWVs+0=" providerId="None" clId="Web-{FA96F87A-ED3C-4FBF-92FF-9A7E5366466B}" dt="2023-01-24T23:58:33.989" v="9" actId="20577"/>
-          <ac:spMkLst>
-            <pc:docMk/>
-            <pc:sldMk cId="1965072318" sldId="2142534588"/>
-            <ac:spMk id="2" creationId="{91B8AE36-51BA-30D4-55BF-DE969CF43B71}"/>
-          </ac:spMkLst>
-        </pc:spChg>
-        <pc:spChg chg="mod ord">
-          <ac:chgData name="JESSE WEI" userId="ZsbFzB+TSibvNS2+ULs3UTiP4Kv803rkvLybqEWVs+0=" providerId="None" clId="Web-{FA96F87A-ED3C-4FBF-92FF-9A7E5366466B}" dt="2023-01-24T23:59:01.348" v="14" actId="20577"/>
-          <ac:spMkLst>
-            <pc:docMk/>
-            <pc:sldMk cId="1965072318" sldId="2142534588"/>
-            <ac:spMk id="3" creationId="{A5547CD0-658A-74F7-9E8B-DA79904FC489}"/>
-          </ac:spMkLst>
-        </pc:spChg>
-        <pc:spChg chg="add del mod ord">
-          <ac:chgData name="JESSE WEI" userId="ZsbFzB+TSibvNS2+ULs3UTiP4Kv803rkvLybqEWVs+0=" providerId="None" clId="Web-{FA96F87A-ED3C-4FBF-92FF-9A7E5366466B}" dt="2023-01-24T23:58:02.037" v="2"/>
-          <ac:spMkLst>
-            <pc:docMk/>
-            <pc:sldMk cId="1965072318" sldId="2142534588"/>
-            <ac:spMk id="4" creationId="{99B964B2-8558-770D-A4DD-8571D01E2467}"/>
-          </ac:spMkLst>
-        </pc:spChg>
-        <pc:spChg chg="add del mod">
-          <ac:chgData name="JESSE WEI" userId="ZsbFzB+TSibvNS2+ULs3UTiP4Kv803rkvLybqEWVs+0=" providerId="None" clId="Web-{FA96F87A-ED3C-4FBF-92FF-9A7E5366466B}" dt="2023-01-24T23:58:17.895" v="6"/>
-          <ac:spMkLst>
-            <pc:docMk/>
-            <pc:sldMk cId="1965072318" sldId="2142534588"/>
-            <ac:spMk id="6" creationId="{4287E5DA-8530-0E43-611A-93C73C3C6B97}"/>
-          </ac:spMkLst>
-        </pc:spChg>
-        <pc:spChg chg="add mod">
-          <ac:chgData name="JESSE WEI" userId="ZsbFzB+TSibvNS2+ULs3UTiP4Kv803rkvLybqEWVs+0=" providerId="None" clId="Web-{FA96F87A-ED3C-4FBF-92FF-9A7E5366466B}" dt="2023-01-24T23:59:20.161" v="21" actId="1076"/>
-          <ac:spMkLst>
-            <pc:docMk/>
-            <pc:sldMk cId="1965072318" sldId="2142534588"/>
-            <ac:spMk id="7" creationId="{1F50C897-770F-04B5-99BC-A58157980FA0}"/>
-          </ac:spMkLst>
-        </pc:spChg>
-        <pc:picChg chg="add mod ord">
-          <ac:chgData name="JESSE WEI" userId="ZsbFzB+TSibvNS2+ULs3UTiP4Kv803rkvLybqEWVs+0=" providerId="None" clId="Web-{FA96F87A-ED3C-4FBF-92FF-9A7E5366466B}" dt="2023-01-24T23:58:02.037" v="2"/>
-          <ac:picMkLst>
-            <pc:docMk/>
-            <pc:sldMk cId="1965072318" sldId="2142534588"/>
-            <ac:picMk id="5" creationId="{6801FDED-ADFA-86E1-F037-B9C9B525B727}"/>
-          </ac:picMkLst>
-        </pc:picChg>
-      </pc:sldChg>
-      <pc:sldChg chg="addSp delSp modSp new mod modClrScheme chgLayout">
-        <pc:chgData name="JESSE WEI" userId="ZsbFzB+TSibvNS2+ULs3UTiP4Kv803rkvLybqEWVs+0=" providerId="None" clId="Web-{FA96F87A-ED3C-4FBF-92FF-9A7E5366466B}" dt="2023-01-25T00:16:42.376" v="68" actId="1076"/>
-        <pc:sldMkLst>
-          <pc:docMk/>
-          <pc:sldMk cId="2652186339" sldId="2142534589"/>
-        </pc:sldMkLst>
-        <pc:spChg chg="mod ord">
-          <ac:chgData name="JESSE WEI" userId="ZsbFzB+TSibvNS2+ULs3UTiP4Kv803rkvLybqEWVs+0=" providerId="None" clId="Web-{FA96F87A-ED3C-4FBF-92FF-9A7E5366466B}" dt="2023-01-25T00:14:56.781" v="61" actId="20577"/>
-          <ac:spMkLst>
-            <pc:docMk/>
-            <pc:sldMk cId="2652186339" sldId="2142534589"/>
-            <ac:spMk id="2" creationId="{27295F34-800D-9D2E-721C-7648A8B806A1}"/>
-          </ac:spMkLst>
-        </pc:spChg>
-        <pc:spChg chg="mod ord">
-          <ac:chgData name="JESSE WEI" userId="ZsbFzB+TSibvNS2+ULs3UTiP4Kv803rkvLybqEWVs+0=" providerId="None" clId="Web-{FA96F87A-ED3C-4FBF-92FF-9A7E5366466B}" dt="2023-01-25T00:11:36.966" v="59" actId="20577"/>
-          <ac:spMkLst>
-            <pc:docMk/>
-            <pc:sldMk cId="2652186339" sldId="2142534589"/>
-            <ac:spMk id="3" creationId="{FC71F458-7436-1F12-2B92-B5165E096818}"/>
-          </ac:spMkLst>
-        </pc:spChg>
-        <pc:spChg chg="del">
-          <ac:chgData name="JESSE WEI" userId="ZsbFzB+TSibvNS2+ULs3UTiP4Kv803rkvLybqEWVs+0=" providerId="None" clId="Web-{FA96F87A-ED3C-4FBF-92FF-9A7E5366466B}" dt="2023-01-25T00:02:06.100" v="25"/>
-          <ac:spMkLst>
-            <pc:docMk/>
-            <pc:sldMk cId="2652186339" sldId="2142534589"/>
-            <ac:spMk id="4" creationId="{97B1D27C-996E-B44B-2746-C24BF26CCCA7}"/>
-          </ac:spMkLst>
-        </pc:spChg>
-        <pc:spChg chg="add mod ord">
-          <ac:chgData name="JESSE WEI" userId="ZsbFzB+TSibvNS2+ULs3UTiP4Kv803rkvLybqEWVs+0=" providerId="None" clId="Web-{FA96F87A-ED3C-4FBF-92FF-9A7E5366466B}" dt="2023-01-25T00:02:52.585" v="29"/>
-          <ac:spMkLst>
-            <pc:docMk/>
-            <pc:sldMk cId="2652186339" sldId="2142534589"/>
-            <ac:spMk id="6" creationId="{EE0F4FC9-6FDF-44BA-5D96-FA38E37D5F88}"/>
-          </ac:spMkLst>
-        </pc:spChg>
-        <pc:spChg chg="add mod ord">
-          <ac:chgData name="JESSE WEI" userId="ZsbFzB+TSibvNS2+ULs3UTiP4Kv803rkvLybqEWVs+0=" providerId="None" clId="Web-{FA96F87A-ED3C-4FBF-92FF-9A7E5366466B}" dt="2023-01-25T00:02:55.382" v="30" actId="20577"/>
-          <ac:spMkLst>
-            <pc:docMk/>
-            <pc:sldMk cId="2652186339" sldId="2142534589"/>
-            <ac:spMk id="7" creationId="{7A33053E-8BEE-49F1-4F50-F52908BF6D61}"/>
-          </ac:spMkLst>
-        </pc:spChg>
-        <pc:spChg chg="add mod">
-          <ac:chgData name="JESSE WEI" userId="ZsbFzB+TSibvNS2+ULs3UTiP4Kv803rkvLybqEWVs+0=" providerId="None" clId="Web-{FA96F87A-ED3C-4FBF-92FF-9A7E5366466B}" dt="2023-01-25T00:16:42.376" v="68" actId="1076"/>
-          <ac:spMkLst>
-            <pc:docMk/>
-            <pc:sldMk cId="2652186339" sldId="2142534589"/>
-            <ac:spMk id="8" creationId="{0F4F5EFE-48FD-8DA0-F0B0-C3B68F8A8FF1}"/>
-          </ac:spMkLst>
-        </pc:spChg>
-        <pc:picChg chg="add mod ord">
-          <ac:chgData name="JESSE WEI" userId="ZsbFzB+TSibvNS2+ULs3UTiP4Kv803rkvLybqEWVs+0=" providerId="None" clId="Web-{FA96F87A-ED3C-4FBF-92FF-9A7E5366466B}" dt="2023-01-25T00:02:52.585" v="29"/>
-          <ac:picMkLst>
-            <pc:docMk/>
-            <pc:sldMk cId="2652186339" sldId="2142534589"/>
-            <ac:picMk id="5" creationId="{BDD653BA-A016-DC95-5854-0ECA891AEA7B}"/>
-          </ac:picMkLst>
-        </pc:picChg>
-      </pc:sldChg>
-      <pc:sldChg chg="addSp delSp modSp add replId">
-        <pc:chgData name="JESSE WEI" userId="ZsbFzB+TSibvNS2+ULs3UTiP4Kv803rkvLybqEWVs+0=" providerId="None" clId="Web-{FA96F87A-ED3C-4FBF-92FF-9A7E5366466B}" dt="2023-01-25T00:15:12.031" v="63" actId="20577"/>
-        <pc:sldMkLst>
-          <pc:docMk/>
-          <pc:sldMk cId="2984574829" sldId="2142534590"/>
-        </pc:sldMkLst>
-        <pc:spChg chg="mod">
-          <ac:chgData name="JESSE WEI" userId="ZsbFzB+TSibvNS2+ULs3UTiP4Kv803rkvLybqEWVs+0=" providerId="None" clId="Web-{FA96F87A-ED3C-4FBF-92FF-9A7E5366466B}" dt="2023-01-25T00:15:12.031" v="63" actId="20577"/>
-          <ac:spMkLst>
-            <pc:docMk/>
-            <pc:sldMk cId="2984574829" sldId="2142534590"/>
-            <ac:spMk id="2" creationId="{27295F34-800D-9D2E-721C-7648A8B806A1}"/>
-          </ac:spMkLst>
-        </pc:spChg>
-        <pc:spChg chg="del">
-          <ac:chgData name="JESSE WEI" userId="ZsbFzB+TSibvNS2+ULs3UTiP4Kv803rkvLybqEWVs+0=" providerId="None" clId="Web-{FA96F87A-ED3C-4FBF-92FF-9A7E5366466B}" dt="2023-01-25T00:14:48.796" v="60"/>
-          <ac:spMkLst>
-            <pc:docMk/>
-            <pc:sldMk cId="2984574829" sldId="2142534590"/>
-            <ac:spMk id="4" creationId="{97B1D27C-996E-B44B-2746-C24BF26CCCA7}"/>
-          </ac:spMkLst>
-        </pc:spChg>
-        <pc:picChg chg="add mod ord">
-          <ac:chgData name="JESSE WEI" userId="ZsbFzB+TSibvNS2+ULs3UTiP4Kv803rkvLybqEWVs+0=" providerId="None" clId="Web-{FA96F87A-ED3C-4FBF-92FF-9A7E5366466B}" dt="2023-01-25T00:14:48.796" v="60"/>
-          <ac:picMkLst>
-            <pc:docMk/>
-            <pc:sldMk cId="2984574829" sldId="2142534590"/>
-            <ac:picMk id="5" creationId="{82530E96-BC23-2EF8-C9AB-645D152B0430}"/>
-          </ac:picMkLst>
-        </pc:picChg>
-      </pc:sldChg>
-      <pc:sldChg chg="add replId">
-        <pc:chgData name="JESSE WEI" userId="ZsbFzB+TSibvNS2+ULs3UTiP4Kv803rkvLybqEWVs+0=" providerId="None" clId="Web-{FA96F87A-ED3C-4FBF-92FF-9A7E5366466B}" dt="2023-01-25T00:01:56.897" v="24"/>
-        <pc:sldMkLst>
-          <pc:docMk/>
-          <pc:sldMk cId="3886592454" sldId="2142534591"/>
-        </pc:sldMkLst>
       </pc:sldChg>
     </pc:docChg>
   </pc:docChgLst>
@@ -25455,7 +25455,7 @@
           <p:nvPr>
             <p:extLst>
               <p:ext uri="{D42A27DB-BD31-4B8C-83A1-F6EECF244321}">
-                <p14:modId xmlns:p14="http://schemas.microsoft.com/office/powerpoint/2010/main" val="1297195919"/>
+                <p14:modId xmlns:p14="http://schemas.microsoft.com/office/powerpoint/2010/main" val="1410333452"/>
               </p:ext>
             </p:extLst>
           </p:nvPr>
@@ -25978,8 +25978,12 @@
                     <a:lstStyle/>
                     <a:p>
                       <a:r>
+                        <a:rPr lang="en-US" altLang="zh-TW"/>
+                        <a:t>Generic </a:t>
+                      </a:r>
+                      <a:r>
                         <a:rPr lang="en-US" altLang="zh-TW" dirty="0"/>
-                        <a:t>General Test</a:t>
+                        <a:t>Test</a:t>
                       </a:r>
                       <a:endParaRPr lang="zh-TW" altLang="en-US" dirty="0"/>
                     </a:p>
@@ -28867,6 +28871,12 @@
 </file>
 
 <file path=customXml/item1.xml><?xml version="1.0" encoding="utf-8"?>
+<p:properties xmlns:p="http://schemas.microsoft.com/office/2006/metadata/properties" xmlns:xsi="http://www.w3.org/2001/XMLSchema-instance" xmlns:pc="http://schemas.microsoft.com/office/infopath/2007/PartnerControls">
+  <documentManagement/>
+</p:properties>
+</file>
+
+<file path=customXml/item2.xml><?xml version="1.0" encoding="utf-8"?>
 <ct:contentTypeSchema xmlns:ct="http://schemas.microsoft.com/office/2006/metadata/contentType" xmlns:ma="http://schemas.microsoft.com/office/2006/metadata/properties/metaAttributes" ct:_="" ma:_="" ma:contentTypeName="Document" ma:contentTypeID="0x01010040FBFCBCE89283428676A20078F9C627" ma:contentTypeVersion="0" ma:contentTypeDescription="Create a new document." ma:contentTypeScope="" ma:versionID="918435e5a572f41622418880a12b985f">
   <xsd:schema xmlns:xsd="http://www.w3.org/2001/XMLSchema" xmlns:xs="http://www.w3.org/2001/XMLSchema" xmlns:p="http://schemas.microsoft.com/office/2006/metadata/properties" targetNamespace="http://schemas.microsoft.com/office/2006/metadata/properties" ma:root="true" ma:fieldsID="d15787acf22db4e4c0ac8b858fca6407">
     <xsd:element name="properties">
@@ -28980,12 +28990,6 @@
 </ct:contentTypeSchema>
 </file>
 
-<file path=customXml/item2.xml><?xml version="1.0" encoding="utf-8"?>
-<p:properties xmlns:p="http://schemas.microsoft.com/office/2006/metadata/properties" xmlns:xsi="http://www.w3.org/2001/XMLSchema-instance" xmlns:pc="http://schemas.microsoft.com/office/infopath/2007/PartnerControls">
-  <documentManagement/>
-</p:properties>
-</file>
-
 <file path=customXml/item3.xml><?xml version="1.0" encoding="utf-8"?>
 <?mso-contentType ?>
 <FormTemplates xmlns="http://schemas.microsoft.com/sharepoint/v3/contenttype/forms">
@@ -28996,6 +29000,15 @@
 </file>
 
 <file path=customXml/itemProps1.xml><?xml version="1.0" encoding="utf-8"?>
+<ds:datastoreItem xmlns:ds="http://schemas.openxmlformats.org/officeDocument/2006/customXml" ds:itemID="{CE0D94FD-9204-43E9-BF4B-F962BB72782B}">
+  <ds:schemaRefs>
+    <ds:schemaRef ds:uri="http://schemas.microsoft.com/office/2006/metadata/properties"/>
+    <ds:schemaRef ds:uri="http://schemas.microsoft.com/office/infopath/2007/PartnerControls"/>
+  </ds:schemaRefs>
+</ds:datastoreItem>
+</file>
+
+<file path=customXml/itemProps2.xml><?xml version="1.0" encoding="utf-8"?>
 <ds:datastoreItem xmlns:ds="http://schemas.openxmlformats.org/officeDocument/2006/customXml" ds:itemID="{448D2EB3-7753-4D67-8416-C5573D57E27C}">
   <ds:schemaRefs>
     <ds:schemaRef ds:uri="http://schemas.microsoft.com/office/2006/metadata/contentType"/>
@@ -29011,15 +29024,6 @@
 </ds:datastoreItem>
 </file>
 
-<file path=customXml/itemProps2.xml><?xml version="1.0" encoding="utf-8"?>
-<ds:datastoreItem xmlns:ds="http://schemas.openxmlformats.org/officeDocument/2006/customXml" ds:itemID="{CE0D94FD-9204-43E9-BF4B-F962BB72782B}">
-  <ds:schemaRefs>
-    <ds:schemaRef ds:uri="http://schemas.microsoft.com/office/2006/metadata/properties"/>
-    <ds:schemaRef ds:uri="http://schemas.microsoft.com/office/infopath/2007/PartnerControls"/>
-  </ds:schemaRefs>
-</ds:datastoreItem>
-</file>
-
 <file path=customXml/itemProps3.xml><?xml version="1.0" encoding="utf-8"?>
 <ds:datastoreItem xmlns:ds="http://schemas.openxmlformats.org/officeDocument/2006/customXml" ds:itemID="{F1589308-4F34-4CA7-9CA2-F23BCF9BAB2C}">
   <ds:schemaRefs>
